--- a/Daily Agendas/Day1.4_WeakestLinkRules.pptx
+++ b/Daily Agendas/Day1.4_WeakestLinkRules.pptx
@@ -303,7 +303,7 @@
             <a:fld id="{1D8BD707-D9CF-40AE-B4C6-C98DA3205C09}" type="datetimeFigureOut">
               <a:rPr lang="en-US" smtClean="0"/>
               <a:pPr/>
-              <a:t>2/5/2020</a:t>
+              <a:t>2/6/2020</a:t>
             </a:fld>
             <a:endParaRPr lang="en-US"/>
           </a:p>
@@ -468,7 +468,7 @@
             <a:fld id="{1D8BD707-D9CF-40AE-B4C6-C98DA3205C09}" type="datetimeFigureOut">
               <a:rPr lang="en-US" smtClean="0"/>
               <a:pPr/>
-              <a:t>2/5/2020</a:t>
+              <a:t>2/6/2020</a:t>
             </a:fld>
             <a:endParaRPr lang="en-US"/>
           </a:p>
@@ -643,7 +643,7 @@
             <a:fld id="{1D8BD707-D9CF-40AE-B4C6-C98DA3205C09}" type="datetimeFigureOut">
               <a:rPr lang="en-US" smtClean="0"/>
               <a:pPr/>
-              <a:t>2/5/2020</a:t>
+              <a:t>2/6/2020</a:t>
             </a:fld>
             <a:endParaRPr lang="en-US"/>
           </a:p>
@@ -808,7 +808,7 @@
             <a:fld id="{1D8BD707-D9CF-40AE-B4C6-C98DA3205C09}" type="datetimeFigureOut">
               <a:rPr lang="en-US" smtClean="0"/>
               <a:pPr/>
-              <a:t>2/5/2020</a:t>
+              <a:t>2/6/2020</a:t>
             </a:fld>
             <a:endParaRPr lang="en-US"/>
           </a:p>
@@ -1050,7 +1050,7 @@
             <a:fld id="{1D8BD707-D9CF-40AE-B4C6-C98DA3205C09}" type="datetimeFigureOut">
               <a:rPr lang="en-US" smtClean="0"/>
               <a:pPr/>
-              <a:t>2/5/2020</a:t>
+              <a:t>2/6/2020</a:t>
             </a:fld>
             <a:endParaRPr lang="en-US"/>
           </a:p>
@@ -1332,7 +1332,7 @@
             <a:fld id="{1D8BD707-D9CF-40AE-B4C6-C98DA3205C09}" type="datetimeFigureOut">
               <a:rPr lang="en-US" smtClean="0"/>
               <a:pPr/>
-              <a:t>2/5/2020</a:t>
+              <a:t>2/6/2020</a:t>
             </a:fld>
             <a:endParaRPr lang="en-US"/>
           </a:p>
@@ -1748,7 +1748,7 @@
             <a:fld id="{1D8BD707-D9CF-40AE-B4C6-C98DA3205C09}" type="datetimeFigureOut">
               <a:rPr lang="en-US" smtClean="0"/>
               <a:pPr/>
-              <a:t>2/5/2020</a:t>
+              <a:t>2/6/2020</a:t>
             </a:fld>
             <a:endParaRPr lang="en-US"/>
           </a:p>
@@ -1862,7 +1862,7 @@
             <a:fld id="{1D8BD707-D9CF-40AE-B4C6-C98DA3205C09}" type="datetimeFigureOut">
               <a:rPr lang="en-US" smtClean="0"/>
               <a:pPr/>
-              <a:t>2/5/2020</a:t>
+              <a:t>2/6/2020</a:t>
             </a:fld>
             <a:endParaRPr lang="en-US"/>
           </a:p>
@@ -1954,7 +1954,7 @@
             <a:fld id="{1D8BD707-D9CF-40AE-B4C6-C98DA3205C09}" type="datetimeFigureOut">
               <a:rPr lang="en-US" smtClean="0"/>
               <a:pPr/>
-              <a:t>2/5/2020</a:t>
+              <a:t>2/6/2020</a:t>
             </a:fld>
             <a:endParaRPr lang="en-US"/>
           </a:p>
@@ -2226,7 +2226,7 @@
             <a:fld id="{1D8BD707-D9CF-40AE-B4C6-C98DA3205C09}" type="datetimeFigureOut">
               <a:rPr lang="en-US" smtClean="0"/>
               <a:pPr/>
-              <a:t>2/5/2020</a:t>
+              <a:t>2/6/2020</a:t>
             </a:fld>
             <a:endParaRPr lang="en-US"/>
           </a:p>
@@ -2475,7 +2475,7 @@
             <a:fld id="{1D8BD707-D9CF-40AE-B4C6-C98DA3205C09}" type="datetimeFigureOut">
               <a:rPr lang="en-US" smtClean="0"/>
               <a:pPr/>
-              <a:t>2/5/2020</a:t>
+              <a:t>2/6/2020</a:t>
             </a:fld>
             <a:endParaRPr lang="en-US"/>
           </a:p>
@@ -2683,7 +2683,7 @@
             <a:fld id="{1D8BD707-D9CF-40AE-B4C6-C98DA3205C09}" type="datetimeFigureOut">
               <a:rPr lang="en-US" smtClean="0"/>
               <a:pPr/>
-              <a:t>2/5/2020</a:t>
+              <a:t>2/6/2020</a:t>
             </a:fld>
             <a:endParaRPr lang="en-US"/>
           </a:p>
@@ -3151,7 +3151,6 @@
               <a:rPr lang="en-US" sz="2600" dirty="0" smtClean="0"/>
               <a:t>Rounding</a:t>
             </a:r>
-            <a:endParaRPr lang="en-US" sz="2600" dirty="0" smtClean="0"/>
           </a:p>
           <a:p>
             <a:pPr lvl="2"/>
@@ -3191,14 +3190,34 @@
           <a:p>
             <a:pPr lvl="1"/>
             <a:r>
-              <a:rPr lang="en-US" sz="2400" dirty="0" err="1" smtClean="0"/>
-              <a:t>T.b.d</a:t>
-            </a:r>
-            <a:r>
-              <a:rPr lang="en-US" sz="2400" dirty="0" smtClean="0"/>
-              <a:t>.</a:t>
-            </a:r>
-            <a:endParaRPr lang="en-US" sz="2400" dirty="0"/>
+              <a:rPr lang="en-US" sz="2400" dirty="0" smtClean="0">
+                <a:solidFill>
+                  <a:srgbClr val="FF0000"/>
+                </a:solidFill>
+              </a:rPr>
+              <a:t>Quest: Wed. Feb 12</a:t>
+            </a:r>
+            <a:r>
+              <a:rPr lang="en-US" sz="2400" baseline="30000" dirty="0" smtClean="0">
+                <a:solidFill>
+                  <a:srgbClr val="FF0000"/>
+                </a:solidFill>
+              </a:rPr>
+              <a:t>th</a:t>
+            </a:r>
+            <a:r>
+              <a:rPr lang="en-US" sz="2400" dirty="0" smtClean="0">
+                <a:solidFill>
+                  <a:srgbClr val="FF0000"/>
+                </a:solidFill>
+              </a:rPr>
+              <a:t> </a:t>
+            </a:r>
+            <a:endParaRPr lang="en-US" sz="2400" dirty="0">
+              <a:solidFill>
+                <a:srgbClr val="FF0000"/>
+              </a:solidFill>
+            </a:endParaRPr>
           </a:p>
         </p:txBody>
       </p:sp>
